--- a/PCSTORE.pptx
+++ b/PCSTORE.pptx
@@ -7,13 +7,14 @@
   <p:sldIdLst>
     <p:sldId id="256" r:id="rId2"/>
     <p:sldId id="262" r:id="rId3"/>
-    <p:sldId id="261" r:id="rId4"/>
-    <p:sldId id="260" r:id="rId5"/>
-    <p:sldId id="259" r:id="rId6"/>
-    <p:sldId id="258" r:id="rId7"/>
-    <p:sldId id="257" r:id="rId8"/>
+    <p:sldId id="265" r:id="rId4"/>
+    <p:sldId id="266" r:id="rId5"/>
+    <p:sldId id="261" r:id="rId6"/>
+    <p:sldId id="260" r:id="rId7"/>
+    <p:sldId id="259" r:id="rId8"/>
     <p:sldId id="264" r:id="rId9"/>
-    <p:sldId id="263" r:id="rId10"/>
+    <p:sldId id="267" r:id="rId10"/>
+    <p:sldId id="268" r:id="rId11"/>
   </p:sldIdLst>
   <p:sldSz cx="12192000" cy="6858000"/>
   <p:notesSz cx="6858000" cy="9144000"/>
@@ -269,7 +270,7 @@
           <a:p>
             <a:fld id="{AF2F6569-08BB-463C-8555-B7B26D3412FD}" type="datetimeFigureOut">
               <a:rPr lang="es-PE" smtClean="0"/>
-              <a:t>26/04/2021</a:t>
+              <a:t>12/07/2021</a:t>
             </a:fld>
             <a:endParaRPr lang="es-PE"/>
           </a:p>
@@ -469,7 +470,7 @@
           <a:p>
             <a:fld id="{AF2F6569-08BB-463C-8555-B7B26D3412FD}" type="datetimeFigureOut">
               <a:rPr lang="es-PE" smtClean="0"/>
-              <a:t>26/04/2021</a:t>
+              <a:t>12/07/2021</a:t>
             </a:fld>
             <a:endParaRPr lang="es-PE"/>
           </a:p>
@@ -679,7 +680,7 @@
           <a:p>
             <a:fld id="{AF2F6569-08BB-463C-8555-B7B26D3412FD}" type="datetimeFigureOut">
               <a:rPr lang="es-PE" smtClean="0"/>
-              <a:t>26/04/2021</a:t>
+              <a:t>12/07/2021</a:t>
             </a:fld>
             <a:endParaRPr lang="es-PE"/>
           </a:p>
@@ -879,7 +880,7 @@
           <a:p>
             <a:fld id="{AF2F6569-08BB-463C-8555-B7B26D3412FD}" type="datetimeFigureOut">
               <a:rPr lang="es-PE" smtClean="0"/>
-              <a:t>26/04/2021</a:t>
+              <a:t>12/07/2021</a:t>
             </a:fld>
             <a:endParaRPr lang="es-PE"/>
           </a:p>
@@ -1155,7 +1156,7 @@
           <a:p>
             <a:fld id="{AF2F6569-08BB-463C-8555-B7B26D3412FD}" type="datetimeFigureOut">
               <a:rPr lang="es-PE" smtClean="0"/>
-              <a:t>26/04/2021</a:t>
+              <a:t>12/07/2021</a:t>
             </a:fld>
             <a:endParaRPr lang="es-PE"/>
           </a:p>
@@ -1423,7 +1424,7 @@
           <a:p>
             <a:fld id="{AF2F6569-08BB-463C-8555-B7B26D3412FD}" type="datetimeFigureOut">
               <a:rPr lang="es-PE" smtClean="0"/>
-              <a:t>26/04/2021</a:t>
+              <a:t>12/07/2021</a:t>
             </a:fld>
             <a:endParaRPr lang="es-PE"/>
           </a:p>
@@ -1838,7 +1839,7 @@
           <a:p>
             <a:fld id="{AF2F6569-08BB-463C-8555-B7B26D3412FD}" type="datetimeFigureOut">
               <a:rPr lang="es-PE" smtClean="0"/>
-              <a:t>26/04/2021</a:t>
+              <a:t>12/07/2021</a:t>
             </a:fld>
             <a:endParaRPr lang="es-PE"/>
           </a:p>
@@ -1980,7 +1981,7 @@
           <a:p>
             <a:fld id="{AF2F6569-08BB-463C-8555-B7B26D3412FD}" type="datetimeFigureOut">
               <a:rPr lang="es-PE" smtClean="0"/>
-              <a:t>26/04/2021</a:t>
+              <a:t>12/07/2021</a:t>
             </a:fld>
             <a:endParaRPr lang="es-PE"/>
           </a:p>
@@ -2093,7 +2094,7 @@
           <a:p>
             <a:fld id="{AF2F6569-08BB-463C-8555-B7B26D3412FD}" type="datetimeFigureOut">
               <a:rPr lang="es-PE" smtClean="0"/>
-              <a:t>26/04/2021</a:t>
+              <a:t>12/07/2021</a:t>
             </a:fld>
             <a:endParaRPr lang="es-PE"/>
           </a:p>
@@ -2406,7 +2407,7 @@
           <a:p>
             <a:fld id="{AF2F6569-08BB-463C-8555-B7B26D3412FD}" type="datetimeFigureOut">
               <a:rPr lang="es-PE" smtClean="0"/>
-              <a:t>26/04/2021</a:t>
+              <a:t>12/07/2021</a:t>
             </a:fld>
             <a:endParaRPr lang="es-PE"/>
           </a:p>
@@ -2695,7 +2696,7 @@
           <a:p>
             <a:fld id="{AF2F6569-08BB-463C-8555-B7B26D3412FD}" type="datetimeFigureOut">
               <a:rPr lang="es-PE" smtClean="0"/>
-              <a:t>26/04/2021</a:t>
+              <a:t>12/07/2021</a:t>
             </a:fld>
             <a:endParaRPr lang="es-PE"/>
           </a:p>
@@ -2938,7 +2939,7 @@
           <a:p>
             <a:fld id="{AF2F6569-08BB-463C-8555-B7B26D3412FD}" type="datetimeFigureOut">
               <a:rPr lang="es-PE" smtClean="0"/>
-              <a:t>26/04/2021</a:t>
+              <a:t>12/07/2021</a:t>
             </a:fld>
             <a:endParaRPr lang="es-PE"/>
           </a:p>
@@ -3417,7 +3418,7 @@
                   </a:outerShdw>
                 </a:effectLst>
               </a:rPr>
-              <a:t>GRUPO 07: VIRUS 7</a:t>
+              <a:t>GRUPO 06</a:t>
             </a:r>
             <a:endParaRPr lang="es-ES" sz="4000" b="1" cap="none" spc="0" dirty="0">
               <a:ln w="10160">
@@ -3559,89 +3560,8 @@
                   </a:outerShdw>
                 </a:effectLst>
               </a:rPr>
-              <a:t>Ronaldo </a:t>
-            </a:r>
-            <a:r>
-              <a:rPr lang="es-ES" sz="2800" b="1" cap="none" spc="0" dirty="0" err="1">
-                <a:ln w="10160">
-                  <a:solidFill>
-                    <a:schemeClr val="accent5"/>
-                  </a:solidFill>
-                  <a:prstDash val="solid"/>
-                </a:ln>
-                <a:solidFill>
-                  <a:srgbClr val="FFFFFF"/>
-                </a:solidFill>
-                <a:effectLst>
-                  <a:outerShdw blurRad="38100" dist="22860" dir="5400000" algn="tl" rotWithShape="0">
-                    <a:srgbClr val="000000">
-                      <a:alpha val="30000"/>
-                    </a:srgbClr>
-                  </a:outerShdw>
-                </a:effectLst>
-              </a:rPr>
-              <a:t>Jose</a:t>
-            </a:r>
-            <a:r>
-              <a:rPr lang="es-ES" sz="2800" b="1" cap="none" spc="0" dirty="0">
-                <a:ln w="10160">
-                  <a:solidFill>
-                    <a:schemeClr val="accent5"/>
-                  </a:solidFill>
-                  <a:prstDash val="solid"/>
-                </a:ln>
-                <a:solidFill>
-                  <a:srgbClr val="FFFFFF"/>
-                </a:solidFill>
-                <a:effectLst>
-                  <a:outerShdw blurRad="38100" dist="22860" dir="5400000" algn="tl" rotWithShape="0">
-                    <a:srgbClr val="000000">
-                      <a:alpha val="30000"/>
-                    </a:srgbClr>
-                  </a:outerShdw>
-                </a:effectLst>
-              </a:rPr>
-              <a:t> Estrada </a:t>
-            </a:r>
-            <a:r>
-              <a:rPr lang="es-ES" sz="2800" b="1" cap="none" spc="0" dirty="0" err="1">
-                <a:ln w="10160">
-                  <a:solidFill>
-                    <a:schemeClr val="accent5"/>
-                  </a:solidFill>
-                  <a:prstDash val="solid"/>
-                </a:ln>
-                <a:solidFill>
-                  <a:srgbClr val="FFFFFF"/>
-                </a:solidFill>
-                <a:effectLst>
-                  <a:outerShdw blurRad="38100" dist="22860" dir="5400000" algn="tl" rotWithShape="0">
-                    <a:srgbClr val="000000">
-                      <a:alpha val="30000"/>
-                    </a:srgbClr>
-                  </a:outerShdw>
-                </a:effectLst>
-              </a:rPr>
-              <a:t>Quicaño</a:t>
-            </a:r>
-            <a:endParaRPr lang="es-ES" sz="2800" b="1" cap="none" spc="0" dirty="0">
-              <a:ln w="10160">
-                <a:solidFill>
-                  <a:schemeClr val="accent5"/>
-                </a:solidFill>
-                <a:prstDash val="solid"/>
-              </a:ln>
-              <a:solidFill>
-                <a:srgbClr val="FFFFFF"/>
-              </a:solidFill>
-              <a:effectLst>
-                <a:outerShdw blurRad="38100" dist="22860" dir="5400000" algn="tl" rotWithShape="0">
-                  <a:srgbClr val="000000">
-                    <a:alpha val="30000"/>
-                  </a:srgbClr>
-                </a:outerShdw>
-              </a:effectLst>
-            </a:endParaRPr>
+              <a:t>Ronaldo Jose Estrada Quicaño</a:t>
+            </a:r>
           </a:p>
         </p:txBody>
       </p:sp>
@@ -3728,27 +3648,6 @@
           <a:p>
             <a:pPr algn="ctr"/>
             <a:r>
-              <a:rPr lang="es-ES" sz="2800" b="1" cap="none" spc="0" dirty="0" err="1">
-                <a:ln w="10160">
-                  <a:solidFill>
-                    <a:schemeClr val="accent5"/>
-                  </a:solidFill>
-                  <a:prstDash val="solid"/>
-                </a:ln>
-                <a:solidFill>
-                  <a:srgbClr val="FFFFFF"/>
-                </a:solidFill>
-                <a:effectLst>
-                  <a:outerShdw blurRad="38100" dist="22860" dir="5400000" algn="tl" rotWithShape="0">
-                    <a:srgbClr val="000000">
-                      <a:alpha val="30000"/>
-                    </a:srgbClr>
-                  </a:outerShdw>
-                </a:effectLst>
-              </a:rPr>
-              <a:t>Jhoel</a:t>
-            </a:r>
-            <a:r>
               <a:rPr lang="es-ES" sz="2800" b="1" cap="none" spc="0" dirty="0">
                 <a:ln w="10160">
                   <a:solidFill>
@@ -3767,47 +3666,8 @@
                   </a:outerShdw>
                 </a:effectLst>
               </a:rPr>
-              <a:t> Alexander Yana </a:t>
-            </a:r>
-            <a:r>
-              <a:rPr lang="es-ES" sz="2800" b="1" cap="none" spc="0" dirty="0" err="1">
-                <a:ln w="10160">
-                  <a:solidFill>
-                    <a:schemeClr val="accent5"/>
-                  </a:solidFill>
-                  <a:prstDash val="solid"/>
-                </a:ln>
-                <a:solidFill>
-                  <a:srgbClr val="FFFFFF"/>
-                </a:solidFill>
-                <a:effectLst>
-                  <a:outerShdw blurRad="38100" dist="22860" dir="5400000" algn="tl" rotWithShape="0">
-                    <a:srgbClr val="000000">
-                      <a:alpha val="30000"/>
-                    </a:srgbClr>
-                  </a:outerShdw>
-                </a:effectLst>
-              </a:rPr>
-              <a:t>Bolivar</a:t>
-            </a:r>
-            <a:endParaRPr lang="es-ES" sz="2800" b="1" cap="none" spc="0" dirty="0">
-              <a:ln w="10160">
-                <a:solidFill>
-                  <a:schemeClr val="accent5"/>
-                </a:solidFill>
-                <a:prstDash val="solid"/>
-              </a:ln>
-              <a:solidFill>
-                <a:srgbClr val="FFFFFF"/>
-              </a:solidFill>
-              <a:effectLst>
-                <a:outerShdw blurRad="38100" dist="22860" dir="5400000" algn="tl" rotWithShape="0">
-                  <a:srgbClr val="000000">
-                    <a:alpha val="30000"/>
-                  </a:srgbClr>
-                </a:outerShdw>
-              </a:effectLst>
-            </a:endParaRPr>
+              <a:t>Jhoel Alexander Yana Bolívar</a:t>
+            </a:r>
           </a:p>
         </p:txBody>
       </p:sp>
@@ -3960,7 +3820,7 @@
         </p:blipFill>
         <p:spPr>
           <a:xfrm>
-            <a:off x="6506403" y="4398532"/>
+            <a:off x="6506403" y="4660142"/>
             <a:ext cx="5012601" cy="1341835"/>
           </a:xfrm>
           <a:prstGeom prst="rect">
@@ -3970,10 +3830,10 @@
       </p:pic>
       <p:pic>
         <p:nvPicPr>
-          <p:cNvPr id="3" name="Imagen 2">
-            <a:extLst>
-              <a:ext uri="{FF2B5EF4-FFF2-40B4-BE49-F238E27FC236}">
-                <a16:creationId xmlns:a16="http://schemas.microsoft.com/office/drawing/2014/main" id="{5BC2A977-5139-466F-908E-F17A18D6B2B6}"/>
+          <p:cNvPr id="5" name="Imagen 4">
+            <a:extLst>
+              <a:ext uri="{FF2B5EF4-FFF2-40B4-BE49-F238E27FC236}">
+                <a16:creationId xmlns:a16="http://schemas.microsoft.com/office/drawing/2014/main" id="{400DA9D9-9115-4856-96DA-60045A211790}"/>
               </a:ext>
             </a:extLst>
           </p:cNvPr>
@@ -3984,13 +3844,13 @@
         </p:nvPicPr>
         <p:blipFill rotWithShape="1">
           <a:blip r:embed="rId4"/>
-          <a:srcRect l="36655" t="38997" r="16444" b="50000"/>
+          <a:srcRect l="34541" t="24293" r="31055" b="66683"/>
           <a:stretch/>
         </p:blipFill>
         <p:spPr>
           <a:xfrm>
-            <a:off x="1009424" y="418576"/>
-            <a:ext cx="10173152" cy="1341835"/>
+            <a:off x="1155063" y="212682"/>
+            <a:ext cx="9498977" cy="1401574"/>
           </a:xfrm>
           <a:prstGeom prst="rect">
             <a:avLst/>
@@ -4001,6 +3861,86 @@
     <p:extLst>
       <p:ext uri="{BB962C8B-B14F-4D97-AF65-F5344CB8AC3E}">
         <p14:creationId xmlns:p14="http://schemas.microsoft.com/office/powerpoint/2010/main" val="4005120287"/>
+      </p:ext>
+    </p:extLst>
+  </p:cSld>
+  <p:clrMapOvr>
+    <a:masterClrMapping/>
+  </p:clrMapOvr>
+</p:sld>
+</file>
+
+<file path=ppt/slides/slide10.xml><?xml version="1.0" encoding="utf-8"?>
+<p:sld xmlns:a="http://schemas.openxmlformats.org/drawingml/2006/main" xmlns:r="http://schemas.openxmlformats.org/officeDocument/2006/relationships" xmlns:p="http://schemas.openxmlformats.org/presentationml/2006/main">
+  <p:cSld>
+    <p:bg>
+      <p:bgPr>
+        <a:blipFill dpi="0" rotWithShape="1">
+          <a:blip r:embed="rId2">
+            <a:lum/>
+          </a:blip>
+          <a:srcRect/>
+          <a:stretch>
+            <a:fillRect t="-9000" b="-9000"/>
+          </a:stretch>
+        </a:blipFill>
+        <a:effectLst/>
+      </p:bgPr>
+    </p:bg>
+    <p:spTree>
+      <p:nvGrpSpPr>
+        <p:cNvPr id="1" name=""/>
+        <p:cNvGrpSpPr/>
+        <p:nvPr/>
+      </p:nvGrpSpPr>
+      <p:grpSpPr>
+        <a:xfrm>
+          <a:off x="0" y="0"/>
+          <a:ext cx="0" cy="0"/>
+          <a:chOff x="0" y="0"/>
+          <a:chExt cx="0" cy="0"/>
+        </a:xfrm>
+      </p:grpSpPr>
+      <p:pic>
+        <p:nvPicPr>
+          <p:cNvPr id="3" name="Imagen 2">
+            <a:extLst>
+              <a:ext uri="{FF2B5EF4-FFF2-40B4-BE49-F238E27FC236}">
+                <a16:creationId xmlns:a16="http://schemas.microsoft.com/office/drawing/2014/main" id="{D8FF3318-1F4C-4F82-82D2-B91CF3044429}"/>
+              </a:ext>
+            </a:extLst>
+          </p:cNvPr>
+          <p:cNvPicPr>
+            <a:picLocks noChangeAspect="1"/>
+          </p:cNvPicPr>
+          <p:nvPr/>
+        </p:nvPicPr>
+        <p:blipFill>
+          <a:blip r:embed="rId3">
+            <a:extLst>
+              <a:ext uri="{28A0092B-C50C-407E-A947-70E740481C1C}">
+                <a14:useLocalDpi xmlns:a14="http://schemas.microsoft.com/office/drawing/2010/main" val="0"/>
+              </a:ext>
+            </a:extLst>
+          </a:blip>
+          <a:stretch>
+            <a:fillRect/>
+          </a:stretch>
+        </p:blipFill>
+        <p:spPr>
+          <a:xfrm>
+            <a:off x="0" y="0"/>
+            <a:ext cx="12192000" cy="6858000"/>
+          </a:xfrm>
+          <a:prstGeom prst="rect">
+            <a:avLst/>
+          </a:prstGeom>
+        </p:spPr>
+      </p:pic>
+    </p:spTree>
+    <p:extLst>
+      <p:ext uri="{BB962C8B-B14F-4D97-AF65-F5344CB8AC3E}">
+        <p14:creationId xmlns:p14="http://schemas.microsoft.com/office/powerpoint/2010/main" val="2926161797"/>
       </p:ext>
     </p:extLst>
   </p:cSld>
@@ -4041,42 +3981,159 @@
           <a:chExt cx="0" cy="0"/>
         </a:xfrm>
       </p:grpSpPr>
-      <p:pic>
-        <p:nvPicPr>
-          <p:cNvPr id="5" name="Imagen 4">
-            <a:extLst>
-              <a:ext uri="{FF2B5EF4-FFF2-40B4-BE49-F238E27FC236}">
-                <a16:creationId xmlns:a16="http://schemas.microsoft.com/office/drawing/2014/main" id="{9448DA5F-41A9-41F7-BAC9-7B4275A615DA}"/>
-              </a:ext>
-            </a:extLst>
-          </p:cNvPr>
-          <p:cNvPicPr>
-            <a:picLocks noChangeAspect="1"/>
-          </p:cNvPicPr>
+      <p:cxnSp>
+        <p:nvCxnSpPr>
+          <p:cNvPr id="3" name="Conector recto 2">
+            <a:extLst>
+              <a:ext uri="{FF2B5EF4-FFF2-40B4-BE49-F238E27FC236}">
+                <a16:creationId xmlns:a16="http://schemas.microsoft.com/office/drawing/2014/main" id="{B16F79E0-2043-47EC-BF8B-8C162C6404FC}"/>
+              </a:ext>
+            </a:extLst>
+          </p:cNvPr>
+          <p:cNvCxnSpPr>
+            <a:cxnSpLocks/>
+          </p:cNvCxnSpPr>
           <p:nvPr/>
-        </p:nvPicPr>
-        <p:blipFill>
-          <a:blip r:embed="rId3">
-            <a:extLst>
-              <a:ext uri="{28A0092B-C50C-407E-A947-70E740481C1C}">
-                <a14:useLocalDpi xmlns:a14="http://schemas.microsoft.com/office/drawing/2010/main" val="0"/>
-              </a:ext>
-            </a:extLst>
-          </a:blip>
-          <a:stretch>
-            <a:fillRect/>
-          </a:stretch>
-        </p:blipFill>
+        </p:nvCxnSpPr>
+        <p:spPr>
+          <a:xfrm flipH="1">
+            <a:off x="788565" y="0"/>
+            <a:ext cx="109057" cy="6858000"/>
+          </a:xfrm>
+          <a:prstGeom prst="line">
+            <a:avLst/>
+          </a:prstGeom>
+          <a:ln>
+            <a:solidFill>
+              <a:schemeClr val="bg1"/>
+            </a:solidFill>
+          </a:ln>
+        </p:spPr>
+        <p:style>
+          <a:lnRef idx="1">
+            <a:schemeClr val="accent1"/>
+          </a:lnRef>
+          <a:fillRef idx="0">
+            <a:schemeClr val="accent1"/>
+          </a:fillRef>
+          <a:effectRef idx="0">
+            <a:schemeClr val="accent1"/>
+          </a:effectRef>
+          <a:fontRef idx="minor">
+            <a:schemeClr val="tx1"/>
+          </a:fontRef>
+        </p:style>
+      </p:cxnSp>
+      <p:sp>
+        <p:nvSpPr>
+          <p:cNvPr id="6" name="Elipse 5">
+            <a:extLst>
+              <a:ext uri="{FF2B5EF4-FFF2-40B4-BE49-F238E27FC236}">
+                <a16:creationId xmlns:a16="http://schemas.microsoft.com/office/drawing/2014/main" id="{11C23987-C0F8-4D59-B2EE-3BAC069D01E6}"/>
+              </a:ext>
+            </a:extLst>
+          </p:cNvPr>
+          <p:cNvSpPr/>
+          <p:nvPr/>
+        </p:nvSpPr>
         <p:spPr>
           <a:xfrm>
-            <a:off x="0" y="0"/>
-            <a:ext cx="12192000" cy="6858000"/>
+            <a:off x="499144" y="3093441"/>
+            <a:ext cx="687898" cy="671118"/>
+          </a:xfrm>
+          <a:prstGeom prst="ellipse">
+            <a:avLst/>
+          </a:prstGeom>
+          <a:solidFill>
+            <a:schemeClr val="bg1"/>
+          </a:solidFill>
+          <a:ln>
+            <a:solidFill>
+              <a:schemeClr val="accent1"/>
+            </a:solidFill>
+          </a:ln>
+        </p:spPr>
+        <p:style>
+          <a:lnRef idx="2">
+            <a:schemeClr val="accent1">
+              <a:shade val="50000"/>
+            </a:schemeClr>
+          </a:lnRef>
+          <a:fillRef idx="1">
+            <a:schemeClr val="accent1"/>
+          </a:fillRef>
+          <a:effectRef idx="0">
+            <a:schemeClr val="accent1"/>
+          </a:effectRef>
+          <a:fontRef idx="minor">
+            <a:schemeClr val="lt1"/>
+          </a:fontRef>
+        </p:style>
+        <p:txBody>
+          <a:bodyPr rtlCol="0" anchor="ctr"/>
+          <a:lstStyle/>
+          <a:p>
+            <a:pPr algn="ctr"/>
+            <a:r>
+              <a:rPr lang="es-ES" sz="3200" dirty="0">
+                <a:solidFill>
+                  <a:schemeClr val="accent1"/>
+                </a:solidFill>
+              </a:rPr>
+              <a:t>1</a:t>
+            </a:r>
+            <a:endParaRPr lang="es-PE" sz="3200" dirty="0">
+              <a:solidFill>
+                <a:schemeClr val="accent1"/>
+              </a:solidFill>
+            </a:endParaRPr>
+          </a:p>
+        </p:txBody>
+      </p:sp>
+      <p:sp>
+        <p:nvSpPr>
+          <p:cNvPr id="7" name="CuadroTexto 6">
+            <a:extLst>
+              <a:ext uri="{FF2B5EF4-FFF2-40B4-BE49-F238E27FC236}">
+                <a16:creationId xmlns:a16="http://schemas.microsoft.com/office/drawing/2014/main" id="{1D2E44BB-8ABA-46EB-932C-8B07C5AD8FAF}"/>
+              </a:ext>
+            </a:extLst>
+          </p:cNvPr>
+          <p:cNvSpPr txBox="1"/>
+          <p:nvPr/>
+        </p:nvSpPr>
+        <p:spPr>
+          <a:xfrm>
+            <a:off x="1308682" y="3044279"/>
+            <a:ext cx="8732939" cy="769441"/>
           </a:xfrm>
           <a:prstGeom prst="rect">
             <a:avLst/>
           </a:prstGeom>
+          <a:noFill/>
         </p:spPr>
-      </p:pic>
+        <p:txBody>
+          <a:bodyPr wrap="square" rtlCol="0">
+            <a:spAutoFit/>
+          </a:bodyPr>
+          <a:lstStyle/>
+          <a:p>
+            <a:r>
+              <a:rPr lang="es-ES" sz="4400" dirty="0">
+                <a:solidFill>
+                  <a:schemeClr val="accent2"/>
+                </a:solidFill>
+              </a:rPr>
+              <a:t>Detalles de la página </a:t>
+            </a:r>
+            <a:endParaRPr lang="es-PE" sz="4400" dirty="0">
+              <a:solidFill>
+                <a:schemeClr val="accent2"/>
+              </a:solidFill>
+            </a:endParaRPr>
+          </a:p>
+        </p:txBody>
+      </p:sp>
     </p:spTree>
     <p:extLst>
       <p:ext uri="{BB962C8B-B14F-4D97-AF65-F5344CB8AC3E}">
@@ -4123,10 +4180,10 @@
       </p:grpSpPr>
       <p:pic>
         <p:nvPicPr>
-          <p:cNvPr id="3" name="Imagen 2">
-            <a:extLst>
-              <a:ext uri="{FF2B5EF4-FFF2-40B4-BE49-F238E27FC236}">
-                <a16:creationId xmlns:a16="http://schemas.microsoft.com/office/drawing/2014/main" id="{5DEA9FBF-B62E-4ADB-B878-62A65ADDC212}"/>
+          <p:cNvPr id="5" name="Imagen 4">
+            <a:extLst>
+              <a:ext uri="{FF2B5EF4-FFF2-40B4-BE49-F238E27FC236}">
+                <a16:creationId xmlns:a16="http://schemas.microsoft.com/office/drawing/2014/main" id="{9448DA5F-41A9-41F7-BAC9-7B4275A615DA}"/>
               </a:ext>
             </a:extLst>
           </p:cNvPr>
@@ -4136,15 +4193,21 @@
           <p:nvPr/>
         </p:nvPicPr>
         <p:blipFill>
-          <a:blip r:embed="rId3"/>
+          <a:blip r:embed="rId3">
+            <a:extLst>
+              <a:ext uri="{28A0092B-C50C-407E-A947-70E740481C1C}">
+                <a14:useLocalDpi xmlns:a14="http://schemas.microsoft.com/office/drawing/2010/main" val="0"/>
+              </a:ext>
+            </a:extLst>
+          </a:blip>
           <a:stretch>
             <a:fillRect/>
           </a:stretch>
         </p:blipFill>
         <p:spPr>
           <a:xfrm>
-            <a:off x="0" y="1673"/>
-            <a:ext cx="12192000" cy="6854653"/>
+            <a:off x="0" y="0"/>
+            <a:ext cx="12192000" cy="6858000"/>
           </a:xfrm>
           <a:prstGeom prst="rect">
             <a:avLst/>
@@ -4154,7 +4217,7 @@
     </p:spTree>
     <p:extLst>
       <p:ext uri="{BB962C8B-B14F-4D97-AF65-F5344CB8AC3E}">
-        <p14:creationId xmlns:p14="http://schemas.microsoft.com/office/powerpoint/2010/main" val="3139721768"/>
+        <p14:creationId xmlns:p14="http://schemas.microsoft.com/office/powerpoint/2010/main" val="2888766199"/>
       </p:ext>
     </p:extLst>
   </p:cSld>
@@ -4195,40 +4258,163 @@
           <a:chExt cx="0" cy="0"/>
         </a:xfrm>
       </p:grpSpPr>
-      <p:pic>
-        <p:nvPicPr>
-          <p:cNvPr id="3" name="Imagen 2">
-            <a:extLst>
-              <a:ext uri="{FF2B5EF4-FFF2-40B4-BE49-F238E27FC236}">
-                <a16:creationId xmlns:a16="http://schemas.microsoft.com/office/drawing/2014/main" id="{4FFDF896-A405-47E5-9616-48C3AF732F64}"/>
-              </a:ext>
-            </a:extLst>
-          </p:cNvPr>
-          <p:cNvPicPr>
-            <a:picLocks noChangeAspect="1"/>
-          </p:cNvPicPr>
+      <p:cxnSp>
+        <p:nvCxnSpPr>
+          <p:cNvPr id="3" name="Conector recto 2">
+            <a:extLst>
+              <a:ext uri="{FF2B5EF4-FFF2-40B4-BE49-F238E27FC236}">
+                <a16:creationId xmlns:a16="http://schemas.microsoft.com/office/drawing/2014/main" id="{B16F79E0-2043-47EC-BF8B-8C162C6404FC}"/>
+              </a:ext>
+            </a:extLst>
+          </p:cNvPr>
+          <p:cNvCxnSpPr>
+            <a:cxnSpLocks/>
+          </p:cNvCxnSpPr>
           <p:nvPr/>
-        </p:nvPicPr>
-        <p:blipFill>
-          <a:blip r:embed="rId3"/>
-          <a:stretch>
-            <a:fillRect/>
-          </a:stretch>
-        </p:blipFill>
+        </p:nvCxnSpPr>
+        <p:spPr>
+          <a:xfrm flipH="1">
+            <a:off x="788565" y="0"/>
+            <a:ext cx="109057" cy="6858000"/>
+          </a:xfrm>
+          <a:prstGeom prst="line">
+            <a:avLst/>
+          </a:prstGeom>
+          <a:ln>
+            <a:solidFill>
+              <a:schemeClr val="bg1"/>
+            </a:solidFill>
+          </a:ln>
+        </p:spPr>
+        <p:style>
+          <a:lnRef idx="1">
+            <a:schemeClr val="accent1"/>
+          </a:lnRef>
+          <a:fillRef idx="0">
+            <a:schemeClr val="accent1"/>
+          </a:fillRef>
+          <a:effectRef idx="0">
+            <a:schemeClr val="accent1"/>
+          </a:effectRef>
+          <a:fontRef idx="minor">
+            <a:schemeClr val="tx1"/>
+          </a:fontRef>
+        </p:style>
+      </p:cxnSp>
+      <p:sp>
+        <p:nvSpPr>
+          <p:cNvPr id="6" name="Elipse 5">
+            <a:extLst>
+              <a:ext uri="{FF2B5EF4-FFF2-40B4-BE49-F238E27FC236}">
+                <a16:creationId xmlns:a16="http://schemas.microsoft.com/office/drawing/2014/main" id="{11C23987-C0F8-4D59-B2EE-3BAC069D01E6}"/>
+              </a:ext>
+            </a:extLst>
+          </p:cNvPr>
+          <p:cNvSpPr/>
+          <p:nvPr/>
+        </p:nvSpPr>
         <p:spPr>
           <a:xfrm>
-            <a:off x="0" y="1673"/>
-            <a:ext cx="12192000" cy="6854653"/>
+            <a:off x="499144" y="3093441"/>
+            <a:ext cx="687898" cy="671118"/>
+          </a:xfrm>
+          <a:prstGeom prst="ellipse">
+            <a:avLst/>
+          </a:prstGeom>
+          <a:solidFill>
+            <a:schemeClr val="bg1"/>
+          </a:solidFill>
+          <a:ln>
+            <a:solidFill>
+              <a:schemeClr val="accent1"/>
+            </a:solidFill>
+          </a:ln>
+        </p:spPr>
+        <p:style>
+          <a:lnRef idx="2">
+            <a:schemeClr val="accent1">
+              <a:shade val="50000"/>
+            </a:schemeClr>
+          </a:lnRef>
+          <a:fillRef idx="1">
+            <a:schemeClr val="accent1"/>
+          </a:fillRef>
+          <a:effectRef idx="0">
+            <a:schemeClr val="accent1"/>
+          </a:effectRef>
+          <a:fontRef idx="minor">
+            <a:schemeClr val="lt1"/>
+          </a:fontRef>
+        </p:style>
+        <p:txBody>
+          <a:bodyPr rtlCol="0" anchor="ctr"/>
+          <a:lstStyle/>
+          <a:p>
+            <a:pPr algn="ctr"/>
+            <a:r>
+              <a:rPr lang="es-ES" sz="3200" dirty="0">
+                <a:solidFill>
+                  <a:schemeClr val="accent1"/>
+                </a:solidFill>
+              </a:rPr>
+              <a:t>2</a:t>
+            </a:r>
+            <a:endParaRPr lang="es-PE" sz="3200" dirty="0">
+              <a:solidFill>
+                <a:schemeClr val="accent1"/>
+              </a:solidFill>
+            </a:endParaRPr>
+          </a:p>
+        </p:txBody>
+      </p:sp>
+      <p:sp>
+        <p:nvSpPr>
+          <p:cNvPr id="7" name="CuadroTexto 6">
+            <a:extLst>
+              <a:ext uri="{FF2B5EF4-FFF2-40B4-BE49-F238E27FC236}">
+                <a16:creationId xmlns:a16="http://schemas.microsoft.com/office/drawing/2014/main" id="{1D2E44BB-8ABA-46EB-932C-8B07C5AD8FAF}"/>
+              </a:ext>
+            </a:extLst>
+          </p:cNvPr>
+          <p:cNvSpPr txBox="1"/>
+          <p:nvPr/>
+        </p:nvSpPr>
+        <p:spPr>
+          <a:xfrm>
+            <a:off x="1308682" y="3044279"/>
+            <a:ext cx="8732939" cy="769441"/>
           </a:xfrm>
           <a:prstGeom prst="rect">
             <a:avLst/>
           </a:prstGeom>
+          <a:noFill/>
         </p:spPr>
-      </p:pic>
+        <p:txBody>
+          <a:bodyPr wrap="square" rtlCol="0">
+            <a:spAutoFit/>
+          </a:bodyPr>
+          <a:lstStyle/>
+          <a:p>
+            <a:r>
+              <a:rPr lang="es-ES" sz="4400" dirty="0">
+                <a:solidFill>
+                  <a:schemeClr val="accent2"/>
+                </a:solidFill>
+              </a:rPr>
+              <a:t>Organización de la página </a:t>
+            </a:r>
+            <a:endParaRPr lang="es-PE" sz="4400" dirty="0">
+              <a:solidFill>
+                <a:schemeClr val="accent2"/>
+              </a:solidFill>
+            </a:endParaRPr>
+          </a:p>
+        </p:txBody>
+      </p:sp>
     </p:spTree>
     <p:extLst>
       <p:ext uri="{BB962C8B-B14F-4D97-AF65-F5344CB8AC3E}">
-        <p14:creationId xmlns:p14="http://schemas.microsoft.com/office/powerpoint/2010/main" val="4079122570"/>
+        <p14:creationId xmlns:p14="http://schemas.microsoft.com/office/powerpoint/2010/main" val="3656151980"/>
       </p:ext>
     </p:extLst>
   </p:cSld>
@@ -4274,7 +4460,7 @@
           <p:cNvPr id="3" name="Imagen 2">
             <a:extLst>
               <a:ext uri="{FF2B5EF4-FFF2-40B4-BE49-F238E27FC236}">
-                <a16:creationId xmlns:a16="http://schemas.microsoft.com/office/drawing/2014/main" id="{2D614AAD-8D31-4F2C-92D8-1E35626DB567}"/>
+                <a16:creationId xmlns:a16="http://schemas.microsoft.com/office/drawing/2014/main" id="{5DEA9FBF-B62E-4ADB-B878-62A65ADDC212}"/>
               </a:ext>
             </a:extLst>
           </p:cNvPr>
@@ -4302,7 +4488,7 @@
     </p:spTree>
     <p:extLst>
       <p:ext uri="{BB962C8B-B14F-4D97-AF65-F5344CB8AC3E}">
-        <p14:creationId xmlns:p14="http://schemas.microsoft.com/office/powerpoint/2010/main" val="3196654517"/>
+        <p14:creationId xmlns:p14="http://schemas.microsoft.com/office/powerpoint/2010/main" val="3139721768"/>
       </p:ext>
     </p:extLst>
   </p:cSld>
@@ -4348,7 +4534,7 @@
           <p:cNvPr id="3" name="Imagen 2">
             <a:extLst>
               <a:ext uri="{FF2B5EF4-FFF2-40B4-BE49-F238E27FC236}">
-                <a16:creationId xmlns:a16="http://schemas.microsoft.com/office/drawing/2014/main" id="{50D24C0D-BBAE-49F2-8591-006008BB1CED}"/>
+                <a16:creationId xmlns:a16="http://schemas.microsoft.com/office/drawing/2014/main" id="{4FFDF896-A405-47E5-9616-48C3AF732F64}"/>
               </a:ext>
             </a:extLst>
           </p:cNvPr>
@@ -4357,15 +4543,16 @@
           </p:cNvPicPr>
           <p:nvPr/>
         </p:nvPicPr>
-        <p:blipFill rotWithShape="1">
+        <p:blipFill>
           <a:blip r:embed="rId3"/>
-          <a:srcRect l="21923" t="3670" b="38660"/>
-          <a:stretch/>
+          <a:stretch>
+            <a:fillRect/>
+          </a:stretch>
         </p:blipFill>
         <p:spPr>
           <a:xfrm>
-            <a:off x="0" y="903849"/>
-            <a:ext cx="12161461" cy="5050302"/>
+            <a:off x="0" y="1673"/>
+            <a:ext cx="12192000" cy="6854653"/>
           </a:xfrm>
           <a:prstGeom prst="rect">
             <a:avLst/>
@@ -4375,7 +4562,7 @@
     </p:spTree>
     <p:extLst>
       <p:ext uri="{BB962C8B-B14F-4D97-AF65-F5344CB8AC3E}">
-        <p14:creationId xmlns:p14="http://schemas.microsoft.com/office/powerpoint/2010/main" val="3223646356"/>
+        <p14:creationId xmlns:p14="http://schemas.microsoft.com/office/powerpoint/2010/main" val="4079122570"/>
       </p:ext>
     </p:extLst>
   </p:cSld>
@@ -4421,7 +4608,7 @@
           <p:cNvPr id="3" name="Imagen 2">
             <a:extLst>
               <a:ext uri="{FF2B5EF4-FFF2-40B4-BE49-F238E27FC236}">
-                <a16:creationId xmlns:a16="http://schemas.microsoft.com/office/drawing/2014/main" id="{F3E735B2-9152-4475-A9D8-088972B174ED}"/>
+                <a16:creationId xmlns:a16="http://schemas.microsoft.com/office/drawing/2014/main" id="{2D614AAD-8D31-4F2C-92D8-1E35626DB567}"/>
               </a:ext>
             </a:extLst>
           </p:cNvPr>
@@ -4430,15 +4617,16 @@
           </p:cNvPicPr>
           <p:nvPr/>
         </p:nvPicPr>
-        <p:blipFill rotWithShape="1">
+        <p:blipFill>
           <a:blip r:embed="rId3"/>
-          <a:srcRect l="22270" t="3874" b="38867"/>
-          <a:stretch/>
+          <a:stretch>
+            <a:fillRect/>
+          </a:stretch>
         </p:blipFill>
         <p:spPr>
           <a:xfrm>
-            <a:off x="0" y="904333"/>
-            <a:ext cx="12192000" cy="5049334"/>
+            <a:off x="0" y="1673"/>
+            <a:ext cx="12192000" cy="6854653"/>
           </a:xfrm>
           <a:prstGeom prst="rect">
             <a:avLst/>
@@ -4448,7 +4636,7 @@
     </p:spTree>
     <p:extLst>
       <p:ext uri="{BB962C8B-B14F-4D97-AF65-F5344CB8AC3E}">
-        <p14:creationId xmlns:p14="http://schemas.microsoft.com/office/powerpoint/2010/main" val="3316729326"/>
+        <p14:creationId xmlns:p14="http://schemas.microsoft.com/office/powerpoint/2010/main" val="3196654517"/>
       </p:ext>
     </p:extLst>
   </p:cSld>
@@ -4494,7 +4682,7 @@
           <p:cNvPr id="4" name="Imagen 3">
             <a:extLst>
               <a:ext uri="{FF2B5EF4-FFF2-40B4-BE49-F238E27FC236}">
-                <a16:creationId xmlns:a16="http://schemas.microsoft.com/office/drawing/2014/main" id="{729C52F9-F2B1-410A-9E7C-0E2498C709D3}"/>
+                <a16:creationId xmlns:a16="http://schemas.microsoft.com/office/drawing/2014/main" id="{7D53C377-D640-41B4-BD2C-C5B4E19ADDD0}"/>
               </a:ext>
             </a:extLst>
           </p:cNvPr>
@@ -4503,16 +4691,21 @@
           </p:cNvPicPr>
           <p:nvPr/>
         </p:nvPicPr>
-        <p:blipFill>
-          <a:blip r:embed="rId3"/>
-          <a:stretch>
-            <a:fillRect/>
-          </a:stretch>
+        <p:blipFill rotWithShape="1">
+          <a:blip r:embed="rId3">
+            <a:extLst>
+              <a:ext uri="{28A0092B-C50C-407E-A947-70E740481C1C}">
+                <a14:useLocalDpi xmlns:a14="http://schemas.microsoft.com/office/drawing/2010/main" val="0"/>
+              </a:ext>
+            </a:extLst>
+          </a:blip>
+          <a:srcRect t="5411" r="51629"/>
+          <a:stretch/>
         </p:blipFill>
         <p:spPr>
           <a:xfrm>
-            <a:off x="0" y="1673"/>
-            <a:ext cx="12192000" cy="6854653"/>
+            <a:off x="218114" y="202937"/>
+            <a:ext cx="11383861" cy="6452125"/>
           </a:xfrm>
           <a:prstGeom prst="rect">
             <a:avLst/>
@@ -4563,40 +4756,163 @@
           <a:chExt cx="0" cy="0"/>
         </a:xfrm>
       </p:grpSpPr>
-      <p:pic>
-        <p:nvPicPr>
-          <p:cNvPr id="4" name="Imagen 3">
-            <a:extLst>
-              <a:ext uri="{FF2B5EF4-FFF2-40B4-BE49-F238E27FC236}">
-                <a16:creationId xmlns:a16="http://schemas.microsoft.com/office/drawing/2014/main" id="{1D78662E-5D3F-40B0-B665-491B737491E7}"/>
-              </a:ext>
-            </a:extLst>
-          </p:cNvPr>
-          <p:cNvPicPr>
-            <a:picLocks noChangeAspect="1"/>
-          </p:cNvPicPr>
+      <p:cxnSp>
+        <p:nvCxnSpPr>
+          <p:cNvPr id="3" name="Conector recto 2">
+            <a:extLst>
+              <a:ext uri="{FF2B5EF4-FFF2-40B4-BE49-F238E27FC236}">
+                <a16:creationId xmlns:a16="http://schemas.microsoft.com/office/drawing/2014/main" id="{B16F79E0-2043-47EC-BF8B-8C162C6404FC}"/>
+              </a:ext>
+            </a:extLst>
+          </p:cNvPr>
+          <p:cNvCxnSpPr>
+            <a:cxnSpLocks/>
+          </p:cNvCxnSpPr>
           <p:nvPr/>
-        </p:nvPicPr>
-        <p:blipFill>
-          <a:blip r:embed="rId3"/>
-          <a:stretch>
-            <a:fillRect/>
-          </a:stretch>
-        </p:blipFill>
+        </p:nvCxnSpPr>
+        <p:spPr>
+          <a:xfrm flipH="1">
+            <a:off x="788565" y="0"/>
+            <a:ext cx="109057" cy="6858000"/>
+          </a:xfrm>
+          <a:prstGeom prst="line">
+            <a:avLst/>
+          </a:prstGeom>
+          <a:ln>
+            <a:solidFill>
+              <a:schemeClr val="bg1"/>
+            </a:solidFill>
+          </a:ln>
+        </p:spPr>
+        <p:style>
+          <a:lnRef idx="1">
+            <a:schemeClr val="accent1"/>
+          </a:lnRef>
+          <a:fillRef idx="0">
+            <a:schemeClr val="accent1"/>
+          </a:fillRef>
+          <a:effectRef idx="0">
+            <a:schemeClr val="accent1"/>
+          </a:effectRef>
+          <a:fontRef idx="minor">
+            <a:schemeClr val="tx1"/>
+          </a:fontRef>
+        </p:style>
+      </p:cxnSp>
+      <p:sp>
+        <p:nvSpPr>
+          <p:cNvPr id="6" name="Elipse 5">
+            <a:extLst>
+              <a:ext uri="{FF2B5EF4-FFF2-40B4-BE49-F238E27FC236}">
+                <a16:creationId xmlns:a16="http://schemas.microsoft.com/office/drawing/2014/main" id="{11C23987-C0F8-4D59-B2EE-3BAC069D01E6}"/>
+              </a:ext>
+            </a:extLst>
+          </p:cNvPr>
+          <p:cNvSpPr/>
+          <p:nvPr/>
+        </p:nvSpPr>
         <p:spPr>
           <a:xfrm>
-            <a:off x="0" y="1673"/>
-            <a:ext cx="12192000" cy="6854653"/>
+            <a:off x="499144" y="3093441"/>
+            <a:ext cx="687898" cy="671118"/>
+          </a:xfrm>
+          <a:prstGeom prst="ellipse">
+            <a:avLst/>
+          </a:prstGeom>
+          <a:solidFill>
+            <a:schemeClr val="bg1"/>
+          </a:solidFill>
+          <a:ln>
+            <a:solidFill>
+              <a:schemeClr val="accent1"/>
+            </a:solidFill>
+          </a:ln>
+        </p:spPr>
+        <p:style>
+          <a:lnRef idx="2">
+            <a:schemeClr val="accent1">
+              <a:shade val="50000"/>
+            </a:schemeClr>
+          </a:lnRef>
+          <a:fillRef idx="1">
+            <a:schemeClr val="accent1"/>
+          </a:fillRef>
+          <a:effectRef idx="0">
+            <a:schemeClr val="accent1"/>
+          </a:effectRef>
+          <a:fontRef idx="minor">
+            <a:schemeClr val="lt1"/>
+          </a:fontRef>
+        </p:style>
+        <p:txBody>
+          <a:bodyPr rtlCol="0" anchor="ctr"/>
+          <a:lstStyle/>
+          <a:p>
+            <a:pPr algn="ctr"/>
+            <a:r>
+              <a:rPr lang="es-ES" sz="3200" dirty="0">
+                <a:solidFill>
+                  <a:schemeClr val="accent1"/>
+                </a:solidFill>
+              </a:rPr>
+              <a:t>3</a:t>
+            </a:r>
+            <a:endParaRPr lang="es-PE" sz="3200" dirty="0">
+              <a:solidFill>
+                <a:schemeClr val="accent1"/>
+              </a:solidFill>
+            </a:endParaRPr>
+          </a:p>
+        </p:txBody>
+      </p:sp>
+      <p:sp>
+        <p:nvSpPr>
+          <p:cNvPr id="7" name="CuadroTexto 6">
+            <a:extLst>
+              <a:ext uri="{FF2B5EF4-FFF2-40B4-BE49-F238E27FC236}">
+                <a16:creationId xmlns:a16="http://schemas.microsoft.com/office/drawing/2014/main" id="{1D2E44BB-8ABA-46EB-932C-8B07C5AD8FAF}"/>
+              </a:ext>
+            </a:extLst>
+          </p:cNvPr>
+          <p:cNvSpPr txBox="1"/>
+          <p:nvPr/>
+        </p:nvSpPr>
+        <p:spPr>
+          <a:xfrm>
+            <a:off x="1308682" y="3044279"/>
+            <a:ext cx="8732939" cy="769441"/>
           </a:xfrm>
           <a:prstGeom prst="rect">
             <a:avLst/>
           </a:prstGeom>
+          <a:noFill/>
         </p:spPr>
-      </p:pic>
+        <p:txBody>
+          <a:bodyPr wrap="square" rtlCol="0">
+            <a:spAutoFit/>
+          </a:bodyPr>
+          <a:lstStyle/>
+          <a:p>
+            <a:r>
+              <a:rPr lang="es-ES" sz="4400" dirty="0">
+                <a:solidFill>
+                  <a:schemeClr val="accent2"/>
+                </a:solidFill>
+              </a:rPr>
+              <a:t>GITHUB </a:t>
+            </a:r>
+            <a:endParaRPr lang="es-PE" sz="4400" dirty="0">
+              <a:solidFill>
+                <a:schemeClr val="accent2"/>
+              </a:solidFill>
+            </a:endParaRPr>
+          </a:p>
+        </p:txBody>
+      </p:sp>
     </p:spTree>
     <p:extLst>
       <p:ext uri="{BB962C8B-B14F-4D97-AF65-F5344CB8AC3E}">
-        <p14:creationId xmlns:p14="http://schemas.microsoft.com/office/powerpoint/2010/main" val="364876996"/>
+        <p14:creationId xmlns:p14="http://schemas.microsoft.com/office/powerpoint/2010/main" val="3037677048"/>
       </p:ext>
     </p:extLst>
   </p:cSld>
